--- a/Clase 3 bootCamp.pptx
+++ b/Clase 3 bootCamp.pptx
@@ -15910,6 +15910,90 @@
               <a:t>Selectores avanzados</a:t>
             </a:r>
             <a:endParaRPr lang="en-US" sz="3600" b="1" dirty="0">
+              <a:solidFill>
+                <a:schemeClr val="bg1"/>
+              </a:solidFill>
+            </a:endParaRPr>
+          </a:p>
+        </p:txBody>
+      </p:sp>
+      <p:sp>
+        <p:nvSpPr>
+          <p:cNvPr id="3" name="CuadroTexto 2">
+            <a:extLst>
+              <a:ext uri="{FF2B5EF4-FFF2-40B4-BE49-F238E27FC236}">
+                <a16:creationId xmlns:a16="http://schemas.microsoft.com/office/drawing/2014/main" id="{D84CE427-C054-DA48-9037-DD6BB1CE18DD}"/>
+              </a:ext>
+            </a:extLst>
+          </p:cNvPr>
+          <p:cNvSpPr txBox="1"/>
+          <p:nvPr/>
+        </p:nvSpPr>
+        <p:spPr>
+          <a:xfrm>
+            <a:off x="1771650" y="4000500"/>
+            <a:ext cx="9538189" cy="584775"/>
+          </a:xfrm>
+          <a:prstGeom prst="rect">
+            <a:avLst/>
+          </a:prstGeom>
+          <a:noFill/>
+        </p:spPr>
+        <p:txBody>
+          <a:bodyPr wrap="none" rtlCol="0">
+            <a:spAutoFit/>
+          </a:bodyPr>
+          <a:lstStyle/>
+          <a:p>
+            <a:r>
+              <a:rPr lang="es-ES_tradnl" sz="3200" b="1" dirty="0">
+                <a:solidFill>
+                  <a:schemeClr val="bg1"/>
+                </a:solidFill>
+              </a:rPr>
+              <a:t>https://</a:t>
+            </a:r>
+            <a:r>
+              <a:rPr lang="es-ES_tradnl" sz="3200" b="1" dirty="0" err="1">
+                <a:solidFill>
+                  <a:schemeClr val="bg1"/>
+                </a:solidFill>
+              </a:rPr>
+              <a:t>github.com</a:t>
+            </a:r>
+            <a:r>
+              <a:rPr lang="es-ES_tradnl" sz="3200" b="1" dirty="0">
+                <a:solidFill>
+                  <a:schemeClr val="bg1"/>
+                </a:solidFill>
+              </a:rPr>
+              <a:t>/</a:t>
+            </a:r>
+            <a:r>
+              <a:rPr lang="es-ES_tradnl" sz="3200" b="1" dirty="0" err="1">
+                <a:solidFill>
+                  <a:schemeClr val="bg1"/>
+                </a:solidFill>
+              </a:rPr>
+              <a:t>Naguaty</a:t>
+            </a:r>
+            <a:r>
+              <a:rPr lang="es-ES_tradnl" sz="3200" b="1" dirty="0">
+                <a:solidFill>
+                  <a:schemeClr val="bg1"/>
+                </a:solidFill>
+              </a:rPr>
+              <a:t>/</a:t>
+            </a:r>
+            <a:r>
+              <a:rPr lang="es-ES_tradnl" sz="3200" b="1" dirty="0" err="1">
+                <a:solidFill>
+                  <a:schemeClr val="bg1"/>
+                </a:solidFill>
+              </a:rPr>
+              <a:t>selectoresjQuery.git</a:t>
+            </a:r>
+            <a:endParaRPr lang="es-ES_tradnl" sz="3200" b="1" dirty="0">
               <a:solidFill>
                 <a:schemeClr val="bg1"/>
               </a:solidFill>
